--- a/docs/songs/oceans.pptx
+++ b/docs/songs/oceans.pptx
@@ -5,14 +5,16 @@
     <p:sldMasterId id="2147483648" r:id="rId1"/>
   </p:sldMasterIdLst>
   <p:notesMasterIdLst>
-    <p:notesMasterId r:id="rId7"/>
+    <p:notesMasterId r:id="rId9"/>
   </p:notesMasterIdLst>
   <p:sldIdLst>
     <p:sldId id="1085" r:id="rId2"/>
     <p:sldId id="1086" r:id="rId3"/>
     <p:sldId id="1087" r:id="rId4"/>
     <p:sldId id="1088" r:id="rId5"/>
-    <p:sldId id="1089" r:id="rId6"/>
+    <p:sldId id="1230" r:id="rId6"/>
+    <p:sldId id="1089" r:id="rId7"/>
+    <p:sldId id="1229" r:id="rId8"/>
   </p:sldIdLst>
   <p:sldSz cx="9144000" cy="6858000" type="screen4x3"/>
   <p:notesSz cx="6858000" cy="9144000"/>
@@ -212,7 +214,7 @@
           <a:p>
             <a:fld id="{C57EAEFC-A9C7-464E-BE3F-33D4DD72E122}" type="datetimeFigureOut">
               <a:rPr lang="en-GB" smtClean="0"/>
-              <a:t>18/11/2023</a:t>
+              <a:t>14/07/2024</a:t>
             </a:fld>
             <a:endParaRPr lang="en-GB"/>
           </a:p>
@@ -662,7 +664,7 @@
             <a:fld id="{26EA1CF3-4A15-4CBF-9A5A-6A56C368BE71}" type="datetimeFigureOut">
               <a:rPr lang="en-GB" smtClean="0"/>
               <a:pPr/>
-              <a:t>18/11/2023</a:t>
+              <a:t>14/07/2024</a:t>
             </a:fld>
             <a:endParaRPr lang="en-GB"/>
           </a:p>
@@ -829,7 +831,7 @@
             <a:fld id="{26EA1CF3-4A15-4CBF-9A5A-6A56C368BE71}" type="datetimeFigureOut">
               <a:rPr lang="en-GB" smtClean="0"/>
               <a:pPr/>
-              <a:t>18/11/2023</a:t>
+              <a:t>14/07/2024</a:t>
             </a:fld>
             <a:endParaRPr lang="en-GB"/>
           </a:p>
@@ -1006,7 +1008,7 @@
             <a:fld id="{26EA1CF3-4A15-4CBF-9A5A-6A56C368BE71}" type="datetimeFigureOut">
               <a:rPr lang="en-GB" smtClean="0"/>
               <a:pPr/>
-              <a:t>18/11/2023</a:t>
+              <a:t>14/07/2024</a:t>
             </a:fld>
             <a:endParaRPr lang="en-GB"/>
           </a:p>
@@ -1173,7 +1175,7 @@
             <a:fld id="{26EA1CF3-4A15-4CBF-9A5A-6A56C368BE71}" type="datetimeFigureOut">
               <a:rPr lang="en-GB" smtClean="0"/>
               <a:pPr/>
-              <a:t>18/11/2023</a:t>
+              <a:t>14/07/2024</a:t>
             </a:fld>
             <a:endParaRPr lang="en-GB"/>
           </a:p>
@@ -1416,7 +1418,7 @@
             <a:fld id="{26EA1CF3-4A15-4CBF-9A5A-6A56C368BE71}" type="datetimeFigureOut">
               <a:rPr lang="en-GB" smtClean="0"/>
               <a:pPr/>
-              <a:t>18/11/2023</a:t>
+              <a:t>14/07/2024</a:t>
             </a:fld>
             <a:endParaRPr lang="en-GB"/>
           </a:p>
@@ -1701,7 +1703,7 @@
             <a:fld id="{26EA1CF3-4A15-4CBF-9A5A-6A56C368BE71}" type="datetimeFigureOut">
               <a:rPr lang="en-GB" smtClean="0"/>
               <a:pPr/>
-              <a:t>18/11/2023</a:t>
+              <a:t>14/07/2024</a:t>
             </a:fld>
             <a:endParaRPr lang="en-GB"/>
           </a:p>
@@ -2120,7 +2122,7 @@
             <a:fld id="{26EA1CF3-4A15-4CBF-9A5A-6A56C368BE71}" type="datetimeFigureOut">
               <a:rPr lang="en-GB" smtClean="0"/>
               <a:pPr/>
-              <a:t>18/11/2023</a:t>
+              <a:t>14/07/2024</a:t>
             </a:fld>
             <a:endParaRPr lang="en-GB"/>
           </a:p>
@@ -2235,7 +2237,7 @@
             <a:fld id="{26EA1CF3-4A15-4CBF-9A5A-6A56C368BE71}" type="datetimeFigureOut">
               <a:rPr lang="en-GB" smtClean="0"/>
               <a:pPr/>
-              <a:t>18/11/2023</a:t>
+              <a:t>14/07/2024</a:t>
             </a:fld>
             <a:endParaRPr lang="en-GB"/>
           </a:p>
@@ -2327,7 +2329,7 @@
             <a:fld id="{26EA1CF3-4A15-4CBF-9A5A-6A56C368BE71}" type="datetimeFigureOut">
               <a:rPr lang="en-GB" smtClean="0"/>
               <a:pPr/>
-              <a:t>18/11/2023</a:t>
+              <a:t>14/07/2024</a:t>
             </a:fld>
             <a:endParaRPr lang="en-GB"/>
           </a:p>
@@ -2601,7 +2603,7 @@
             <a:fld id="{26EA1CF3-4A15-4CBF-9A5A-6A56C368BE71}" type="datetimeFigureOut">
               <a:rPr lang="en-GB" smtClean="0"/>
               <a:pPr/>
-              <a:t>18/11/2023</a:t>
+              <a:t>14/07/2024</a:t>
             </a:fld>
             <a:endParaRPr lang="en-GB"/>
           </a:p>
@@ -2851,7 +2853,7 @@
             <a:fld id="{26EA1CF3-4A15-4CBF-9A5A-6A56C368BE71}" type="datetimeFigureOut">
               <a:rPr lang="en-GB" smtClean="0"/>
               <a:pPr/>
-              <a:t>18/11/2023</a:t>
+              <a:t>14/07/2024</a:t>
             </a:fld>
             <a:endParaRPr lang="en-GB"/>
           </a:p>
@@ -3060,7 +3062,7 @@
             <a:fld id="{26EA1CF3-4A15-4CBF-9A5A-6A56C368BE71}" type="datetimeFigureOut">
               <a:rPr lang="en-GB" smtClean="0"/>
               <a:pPr/>
-              <a:t>18/11/2023</a:t>
+              <a:t>14/07/2024</a:t>
             </a:fld>
             <a:endParaRPr lang="en-GB"/>
           </a:p>
@@ -3777,7 +3779,7 @@
           <a:lstStyle/>
           <a:p>
             <a:r>
-              <a:rPr lang="en-GB" sz="4400" dirty="0">
+              <a:rPr lang="en-GB" sz="3600" dirty="0">
                 <a:solidFill>
                   <a:schemeClr val="bg1"/>
                 </a:solidFill>
@@ -3787,7 +3789,7 @@
           </a:p>
           <a:p>
             <a:r>
-              <a:rPr lang="en-GB" sz="4400" dirty="0">
+              <a:rPr lang="en-GB" sz="3600" dirty="0">
                 <a:solidFill>
                   <a:schemeClr val="bg1"/>
                 </a:solidFill>
@@ -3797,7 +3799,7 @@
           </a:p>
           <a:p>
             <a:r>
-              <a:rPr lang="en-GB" sz="4400" dirty="0">
+              <a:rPr lang="en-GB" sz="3600" dirty="0">
                 <a:solidFill>
                   <a:schemeClr val="bg1"/>
                 </a:solidFill>
@@ -3807,7 +3809,7 @@
           </a:p>
           <a:p>
             <a:r>
-              <a:rPr lang="en-GB" sz="4400" dirty="0">
+              <a:rPr lang="en-GB" sz="3600" dirty="0">
                 <a:solidFill>
                   <a:schemeClr val="bg1"/>
                 </a:solidFill>
@@ -3845,7 +3847,7 @@
                   <a:schemeClr val="bg1"/>
                 </a:solidFill>
               </a:rPr>
-              <a:t>1/4</a:t>
+              <a:t>1/6</a:t>
             </a:r>
           </a:p>
         </p:txBody>
@@ -3903,7 +3905,7 @@
           <a:lstStyle/>
           <a:p>
             <a:r>
-              <a:rPr lang="en-GB" sz="4400" dirty="0">
+              <a:rPr lang="en-GB" sz="3600" dirty="0">
                 <a:solidFill>
                   <a:schemeClr val="bg1"/>
                 </a:solidFill>
@@ -3913,7 +3915,7 @@
           </a:p>
           <a:p>
             <a:r>
-              <a:rPr lang="en-GB" sz="4400" dirty="0">
+              <a:rPr lang="en-GB" sz="3600" dirty="0">
                 <a:solidFill>
                   <a:schemeClr val="bg1"/>
                 </a:solidFill>
@@ -3923,7 +3925,7 @@
           </a:p>
           <a:p>
             <a:r>
-              <a:rPr lang="en-GB" sz="4400" dirty="0">
+              <a:rPr lang="en-GB" sz="3600" dirty="0">
                 <a:solidFill>
                   <a:schemeClr val="bg1"/>
                 </a:solidFill>
@@ -3933,7 +3935,7 @@
           </a:p>
           <a:p>
             <a:r>
-              <a:rPr lang="en-GB" sz="4400" dirty="0">
+              <a:rPr lang="en-GB" sz="3600" dirty="0">
                 <a:solidFill>
                   <a:schemeClr val="bg1"/>
                 </a:solidFill>
@@ -3943,7 +3945,7 @@
           </a:p>
           <a:p>
             <a:r>
-              <a:rPr lang="en-GB" sz="4400" dirty="0">
+              <a:rPr lang="en-GB" sz="3600" dirty="0">
                 <a:solidFill>
                   <a:schemeClr val="bg1"/>
                 </a:solidFill>
@@ -3981,7 +3983,7 @@
                   <a:schemeClr val="bg1"/>
                 </a:solidFill>
               </a:rPr>
-              <a:t>2/4</a:t>
+              <a:t>2/6</a:t>
             </a:r>
           </a:p>
         </p:txBody>
@@ -4039,7 +4041,7 @@
           <a:lstStyle/>
           <a:p>
             <a:r>
-              <a:rPr lang="en-GB" sz="4400" dirty="0">
+              <a:rPr lang="en-GB" sz="3600" dirty="0">
                 <a:solidFill>
                   <a:schemeClr val="bg1"/>
                 </a:solidFill>
@@ -4049,7 +4051,7 @@
           </a:p>
           <a:p>
             <a:r>
-              <a:rPr lang="en-GB" sz="4400" dirty="0">
+              <a:rPr lang="en-GB" sz="3600" dirty="0">
                 <a:solidFill>
                   <a:schemeClr val="bg1"/>
                 </a:solidFill>
@@ -4057,7 +4059,7 @@
               <a:t>Your </a:t>
             </a:r>
             <a:r>
-              <a:rPr lang="en-GB" sz="4400" dirty="0" err="1">
+              <a:rPr lang="en-GB" sz="3600" dirty="0" err="1">
                 <a:solidFill>
                   <a:schemeClr val="bg1"/>
                 </a:solidFill>
@@ -4065,7 +4067,7 @@
               <a:t>sov'reign</a:t>
             </a:r>
             <a:r>
-              <a:rPr lang="en-GB" sz="4400" dirty="0">
+              <a:rPr lang="en-GB" sz="3600" dirty="0">
                 <a:solidFill>
                   <a:schemeClr val="bg1"/>
                 </a:solidFill>
@@ -4075,7 +4077,7 @@
           </a:p>
           <a:p>
             <a:r>
-              <a:rPr lang="en-GB" sz="4400" dirty="0">
+              <a:rPr lang="en-GB" sz="3600" dirty="0">
                 <a:solidFill>
                   <a:schemeClr val="bg1"/>
                 </a:solidFill>
@@ -4085,7 +4087,7 @@
           </a:p>
           <a:p>
             <a:r>
-              <a:rPr lang="en-GB" sz="4400" dirty="0">
+              <a:rPr lang="en-GB" sz="3600" dirty="0">
                 <a:solidFill>
                   <a:schemeClr val="bg1"/>
                 </a:solidFill>
@@ -4123,7 +4125,7 @@
                   <a:schemeClr val="bg1"/>
                 </a:solidFill>
               </a:rPr>
-              <a:t>3/4</a:t>
+              <a:t>3/6</a:t>
             </a:r>
           </a:p>
         </p:txBody>
@@ -4181,62 +4183,52 @@
           <a:lstStyle/>
           <a:p>
             <a:r>
-              <a:rPr lang="en-GB" sz="4000" dirty="0">
+              <a:rPr lang="en-GB" sz="3600" dirty="0">
                 <a:solidFill>
                   <a:schemeClr val="bg1"/>
                 </a:solidFill>
               </a:rPr>
-              <a:t>Spirit, lead me where my trust is without borders</a:t>
-            </a:r>
-          </a:p>
-          <a:p>
-            <a:r>
-              <a:rPr lang="en-GB" sz="4000" dirty="0">
+              <a:t>And I will call upon Your name</a:t>
+            </a:r>
+          </a:p>
+          <a:p>
+            <a:r>
+              <a:rPr lang="en-GB" sz="3600" dirty="0">
                 <a:solidFill>
                   <a:schemeClr val="bg1"/>
                 </a:solidFill>
               </a:rPr>
-              <a:t>Let me walk upon the waters</a:t>
-            </a:r>
-          </a:p>
-          <a:p>
-            <a:r>
-              <a:rPr lang="en-GB" sz="4000" dirty="0">
+              <a:t>And keep my eyes above the waves</a:t>
+            </a:r>
+          </a:p>
+          <a:p>
+            <a:r>
+              <a:rPr lang="en-GB" sz="3600" dirty="0">
                 <a:solidFill>
                   <a:schemeClr val="bg1"/>
                 </a:solidFill>
               </a:rPr>
-              <a:t>Wherever You would call me</a:t>
-            </a:r>
-          </a:p>
-          <a:p>
-            <a:r>
-              <a:rPr lang="en-GB" sz="4000" dirty="0">
+              <a:t>When oceans rise</a:t>
+            </a:r>
+          </a:p>
+          <a:p>
+            <a:r>
+              <a:rPr lang="en-GB" sz="3600" dirty="0">
                 <a:solidFill>
                   <a:schemeClr val="bg1"/>
                 </a:solidFill>
               </a:rPr>
-              <a:t>Take me deeper than my feet could ever wander</a:t>
-            </a:r>
-          </a:p>
-          <a:p>
-            <a:r>
-              <a:rPr lang="en-GB" sz="4000" dirty="0">
+              <a:t>My soul will rest in Your embrace</a:t>
+            </a:r>
+          </a:p>
+          <a:p>
+            <a:r>
+              <a:rPr lang="en-GB" sz="3600" dirty="0">
                 <a:solidFill>
                   <a:schemeClr val="bg1"/>
                 </a:solidFill>
               </a:rPr>
-              <a:t>And my faith will be made stronger</a:t>
-            </a:r>
-          </a:p>
-          <a:p>
-            <a:r>
-              <a:rPr lang="en-GB" sz="4000" dirty="0">
-                <a:solidFill>
-                  <a:schemeClr val="bg1"/>
-                </a:solidFill>
-              </a:rPr>
-              <a:t>In the presence of my Saviour</a:t>
+              <a:t>For I am Yours and You are mine</a:t>
             </a:r>
           </a:p>
         </p:txBody>
@@ -4269,7 +4261,153 @@
                   <a:schemeClr val="bg1"/>
                 </a:solidFill>
               </a:rPr>
-              <a:t>4/4</a:t>
+              <a:t>4/6</a:t>
+            </a:r>
+          </a:p>
+        </p:txBody>
+      </p:sp>
+    </p:spTree>
+    <p:extLst>
+      <p:ext uri="{BB962C8B-B14F-4D97-AF65-F5344CB8AC3E}">
+        <p14:creationId xmlns:p14="http://schemas.microsoft.com/office/powerpoint/2010/main" val="3046010052"/>
+      </p:ext>
+    </p:extLst>
+  </p:cSld>
+  <p:clrMapOvr>
+    <a:masterClrMapping/>
+  </p:clrMapOvr>
+</p:sld>
+</file>
+
+<file path=ppt/slides/slide6.xml><?xml version="1.0" encoding="utf-8"?>
+<p:sld xmlns:a="http://schemas.openxmlformats.org/drawingml/2006/main" xmlns:r="http://schemas.openxmlformats.org/officeDocument/2006/relationships" xmlns:p="http://schemas.openxmlformats.org/presentationml/2006/main">
+  <p:cSld>
+    <p:spTree>
+      <p:nvGrpSpPr>
+        <p:cNvPr id="1" name=""/>
+        <p:cNvGrpSpPr/>
+        <p:nvPr/>
+      </p:nvGrpSpPr>
+      <p:grpSpPr>
+        <a:xfrm>
+          <a:off x="0" y="0"/>
+          <a:ext cx="0" cy="0"/>
+          <a:chOff x="0" y="0"/>
+          <a:chExt cx="0" cy="0"/>
+        </a:xfrm>
+      </p:grpSpPr>
+      <p:sp>
+        <p:nvSpPr>
+          <p:cNvPr id="3" name="Subtitle 2"/>
+          <p:cNvSpPr>
+            <a:spLocks noGrp="1"/>
+          </p:cNvSpPr>
+          <p:nvPr>
+            <p:ph type="subTitle" idx="1"/>
+          </p:nvPr>
+        </p:nvSpPr>
+        <p:spPr>
+          <a:xfrm>
+            <a:off x="251520" y="764704"/>
+            <a:ext cx="8640960" cy="6480720"/>
+          </a:xfrm>
+        </p:spPr>
+        <p:txBody>
+          <a:bodyPr>
+            <a:noAutofit/>
+          </a:bodyPr>
+          <a:lstStyle/>
+          <a:p>
+            <a:r>
+              <a:rPr lang="en-GB" sz="3600" dirty="0">
+                <a:solidFill>
+                  <a:schemeClr val="bg1"/>
+                </a:solidFill>
+              </a:rPr>
+              <a:t>Spirit, lead me where my trust is without borders</a:t>
+            </a:r>
+          </a:p>
+          <a:p>
+            <a:r>
+              <a:rPr lang="en-GB" sz="3600" dirty="0">
+                <a:solidFill>
+                  <a:schemeClr val="bg1"/>
+                </a:solidFill>
+              </a:rPr>
+              <a:t>Let me walk upon the waters</a:t>
+            </a:r>
+          </a:p>
+          <a:p>
+            <a:r>
+              <a:rPr lang="en-GB" sz="3600" dirty="0">
+                <a:solidFill>
+                  <a:schemeClr val="bg1"/>
+                </a:solidFill>
+              </a:rPr>
+              <a:t>Wherever You would call me</a:t>
+            </a:r>
+          </a:p>
+          <a:p>
+            <a:r>
+              <a:rPr lang="en-GB" sz="3600" dirty="0">
+                <a:solidFill>
+                  <a:schemeClr val="bg1"/>
+                </a:solidFill>
+              </a:rPr>
+              <a:t>Take me deeper than my feet could ever wander</a:t>
+            </a:r>
+          </a:p>
+          <a:p>
+            <a:r>
+              <a:rPr lang="en-GB" sz="3600" dirty="0">
+                <a:solidFill>
+                  <a:schemeClr val="bg1"/>
+                </a:solidFill>
+              </a:rPr>
+              <a:t>And my faith will be made stronger</a:t>
+            </a:r>
+          </a:p>
+          <a:p>
+            <a:r>
+              <a:rPr lang="en-GB" sz="3600" dirty="0">
+                <a:solidFill>
+                  <a:schemeClr val="bg1"/>
+                </a:solidFill>
+              </a:rPr>
+              <a:t>In the presence of my Saviour</a:t>
+            </a:r>
+          </a:p>
+        </p:txBody>
+      </p:sp>
+      <p:sp>
+        <p:nvSpPr>
+          <p:cNvPr id="4" name="TextBox 3"/>
+          <p:cNvSpPr txBox="1"/>
+          <p:nvPr/>
+        </p:nvSpPr>
+        <p:spPr>
+          <a:xfrm>
+            <a:off x="8529729" y="0"/>
+            <a:ext cx="628698" cy="461665"/>
+          </a:xfrm>
+          <a:prstGeom prst="rect">
+            <a:avLst/>
+          </a:prstGeom>
+          <a:noFill/>
+        </p:spPr>
+        <p:txBody>
+          <a:bodyPr wrap="none" rtlCol="0">
+            <a:spAutoFit/>
+          </a:bodyPr>
+          <a:lstStyle/>
+          <a:p>
+            <a:r>
+              <a:rPr lang="en-GB" sz="2400" b="1" dirty="0">
+                <a:solidFill>
+                  <a:schemeClr val="bg1"/>
+                </a:solidFill>
+              </a:rPr>
+              <a:t>5/6</a:t>
             </a:r>
           </a:p>
         </p:txBody>
@@ -4278,6 +4416,142 @@
     <p:extLst>
       <p:ext uri="{BB962C8B-B14F-4D97-AF65-F5344CB8AC3E}">
         <p14:creationId xmlns:p14="http://schemas.microsoft.com/office/powerpoint/2010/main" val="2899306242"/>
+      </p:ext>
+    </p:extLst>
+  </p:cSld>
+  <p:clrMapOvr>
+    <a:masterClrMapping/>
+  </p:clrMapOvr>
+</p:sld>
+</file>
+
+<file path=ppt/slides/slide7.xml><?xml version="1.0" encoding="utf-8"?>
+<p:sld xmlns:a="http://schemas.openxmlformats.org/drawingml/2006/main" xmlns:r="http://schemas.openxmlformats.org/officeDocument/2006/relationships" xmlns:p="http://schemas.openxmlformats.org/presentationml/2006/main">
+  <p:cSld>
+    <p:spTree>
+      <p:nvGrpSpPr>
+        <p:cNvPr id="1" name=""/>
+        <p:cNvGrpSpPr/>
+        <p:nvPr/>
+      </p:nvGrpSpPr>
+      <p:grpSpPr>
+        <a:xfrm>
+          <a:off x="0" y="0"/>
+          <a:ext cx="0" cy="0"/>
+          <a:chOff x="0" y="0"/>
+          <a:chExt cx="0" cy="0"/>
+        </a:xfrm>
+      </p:grpSpPr>
+      <p:sp>
+        <p:nvSpPr>
+          <p:cNvPr id="3" name="Subtitle 2"/>
+          <p:cNvSpPr>
+            <a:spLocks noGrp="1"/>
+          </p:cNvSpPr>
+          <p:nvPr>
+            <p:ph type="subTitle" idx="1"/>
+          </p:nvPr>
+        </p:nvSpPr>
+        <p:spPr>
+          <a:xfrm>
+            <a:off x="251520" y="764704"/>
+            <a:ext cx="8640960" cy="6480720"/>
+          </a:xfrm>
+        </p:spPr>
+        <p:txBody>
+          <a:bodyPr>
+            <a:noAutofit/>
+          </a:bodyPr>
+          <a:lstStyle/>
+          <a:p>
+            <a:r>
+              <a:rPr lang="en-GB" sz="3600" dirty="0">
+                <a:solidFill>
+                  <a:schemeClr val="bg1"/>
+                </a:solidFill>
+              </a:rPr>
+              <a:t>And I will call upon Your name</a:t>
+            </a:r>
+          </a:p>
+          <a:p>
+            <a:r>
+              <a:rPr lang="en-GB" sz="3600" dirty="0">
+                <a:solidFill>
+                  <a:schemeClr val="bg1"/>
+                </a:solidFill>
+              </a:rPr>
+              <a:t>And keep my eyes above the waves</a:t>
+            </a:r>
+          </a:p>
+          <a:p>
+            <a:r>
+              <a:rPr lang="en-GB" sz="3600" dirty="0">
+                <a:solidFill>
+                  <a:schemeClr val="bg1"/>
+                </a:solidFill>
+              </a:rPr>
+              <a:t>When oceans rise</a:t>
+            </a:r>
+          </a:p>
+          <a:p>
+            <a:r>
+              <a:rPr lang="en-GB" sz="3600" dirty="0">
+                <a:solidFill>
+                  <a:schemeClr val="bg1"/>
+                </a:solidFill>
+              </a:rPr>
+              <a:t>My soul will rest in Your embrace</a:t>
+            </a:r>
+          </a:p>
+          <a:p>
+            <a:r>
+              <a:rPr lang="en-GB" sz="3600" dirty="0">
+                <a:solidFill>
+                  <a:schemeClr val="bg1"/>
+                </a:solidFill>
+              </a:rPr>
+              <a:t>For I am Yours and You are mine</a:t>
+            </a:r>
+          </a:p>
+        </p:txBody>
+      </p:sp>
+      <p:sp>
+        <p:nvSpPr>
+          <p:cNvPr id="4" name="TextBox 3"/>
+          <p:cNvSpPr txBox="1"/>
+          <p:nvPr/>
+        </p:nvSpPr>
+        <p:spPr>
+          <a:xfrm>
+            <a:off x="8529729" y="0"/>
+            <a:ext cx="628698" cy="461665"/>
+          </a:xfrm>
+          <a:prstGeom prst="rect">
+            <a:avLst/>
+          </a:prstGeom>
+          <a:noFill/>
+        </p:spPr>
+        <p:txBody>
+          <a:bodyPr wrap="none" rtlCol="0">
+            <a:spAutoFit/>
+          </a:bodyPr>
+          <a:lstStyle/>
+          <a:p>
+            <a:r>
+              <a:rPr lang="en-GB" sz="2400" b="1" dirty="0">
+                <a:solidFill>
+                  <a:schemeClr val="bg1"/>
+                </a:solidFill>
+              </a:rPr>
+              <a:t>6/6</a:t>
+            </a:r>
+          </a:p>
+        </p:txBody>
+      </p:sp>
+    </p:spTree>
+    <p:extLst>
+      <p:ext uri="{BB962C8B-B14F-4D97-AF65-F5344CB8AC3E}">
+        <p14:creationId xmlns:p14="http://schemas.microsoft.com/office/powerpoint/2010/main" val="1957456185"/>
       </p:ext>
     </p:extLst>
   </p:cSld>
